--- a/reports/presentation_FINAL.pptx
+++ b/reports/presentation_FINAL.pptx
@@ -282,7 +282,7 @@
           <a:p>
             <a:fld id="{7815AAF6-D9AF-47C3-92DD-99476B64B79F}" type="datetimeFigureOut">
               <a:rPr lang="en-US" smtClean="0"/>
-              <a:t>1/21/2019</a:t>
+              <a:t>1/22/2019</a:t>
             </a:fld>
             <a:endParaRPr lang="en-US"/>
           </a:p>
@@ -480,7 +480,7 @@
           <a:p>
             <a:fld id="{7815AAF6-D9AF-47C3-92DD-99476B64B79F}" type="datetimeFigureOut">
               <a:rPr lang="en-US" smtClean="0"/>
-              <a:t>1/21/2019</a:t>
+              <a:t>1/22/2019</a:t>
             </a:fld>
             <a:endParaRPr lang="en-US"/>
           </a:p>
@@ -688,7 +688,7 @@
           <a:p>
             <a:fld id="{7815AAF6-D9AF-47C3-92DD-99476B64B79F}" type="datetimeFigureOut">
               <a:rPr lang="en-US" smtClean="0"/>
-              <a:t>1/21/2019</a:t>
+              <a:t>1/22/2019</a:t>
             </a:fld>
             <a:endParaRPr lang="en-US"/>
           </a:p>
@@ -886,7 +886,7 @@
           <a:p>
             <a:fld id="{7815AAF6-D9AF-47C3-92DD-99476B64B79F}" type="datetimeFigureOut">
               <a:rPr lang="en-US" smtClean="0"/>
-              <a:t>1/21/2019</a:t>
+              <a:t>1/22/2019</a:t>
             </a:fld>
             <a:endParaRPr lang="en-US"/>
           </a:p>
@@ -1161,7 +1161,7 @@
           <a:p>
             <a:fld id="{7815AAF6-D9AF-47C3-92DD-99476B64B79F}" type="datetimeFigureOut">
               <a:rPr lang="en-US" smtClean="0"/>
-              <a:t>1/21/2019</a:t>
+              <a:t>1/22/2019</a:t>
             </a:fld>
             <a:endParaRPr lang="en-US"/>
           </a:p>
@@ -1426,7 +1426,7 @@
           <a:p>
             <a:fld id="{7815AAF6-D9AF-47C3-92DD-99476B64B79F}" type="datetimeFigureOut">
               <a:rPr lang="en-US" smtClean="0"/>
-              <a:t>1/21/2019</a:t>
+              <a:t>1/22/2019</a:t>
             </a:fld>
             <a:endParaRPr lang="en-US"/>
           </a:p>
@@ -1838,7 +1838,7 @@
           <a:p>
             <a:fld id="{7815AAF6-D9AF-47C3-92DD-99476B64B79F}" type="datetimeFigureOut">
               <a:rPr lang="en-US" smtClean="0"/>
-              <a:t>1/21/2019</a:t>
+              <a:t>1/22/2019</a:t>
             </a:fld>
             <a:endParaRPr lang="en-US"/>
           </a:p>
@@ -1979,7 +1979,7 @@
           <a:p>
             <a:fld id="{7815AAF6-D9AF-47C3-92DD-99476B64B79F}" type="datetimeFigureOut">
               <a:rPr lang="en-US" smtClean="0"/>
-              <a:t>1/21/2019</a:t>
+              <a:t>1/22/2019</a:t>
             </a:fld>
             <a:endParaRPr lang="en-US"/>
           </a:p>
@@ -2092,7 +2092,7 @@
           <a:p>
             <a:fld id="{7815AAF6-D9AF-47C3-92DD-99476B64B79F}" type="datetimeFigureOut">
               <a:rPr lang="en-US" smtClean="0"/>
-              <a:t>1/21/2019</a:t>
+              <a:t>1/22/2019</a:t>
             </a:fld>
             <a:endParaRPr lang="en-US"/>
           </a:p>
@@ -2403,7 +2403,7 @@
           <a:p>
             <a:fld id="{7815AAF6-D9AF-47C3-92DD-99476B64B79F}" type="datetimeFigureOut">
               <a:rPr lang="en-US" smtClean="0"/>
-              <a:t>1/21/2019</a:t>
+              <a:t>1/22/2019</a:t>
             </a:fld>
             <a:endParaRPr lang="en-US"/>
           </a:p>
@@ -2691,7 +2691,7 @@
           <a:p>
             <a:fld id="{7815AAF6-D9AF-47C3-92DD-99476B64B79F}" type="datetimeFigureOut">
               <a:rPr lang="en-US" smtClean="0"/>
-              <a:t>1/21/2019</a:t>
+              <a:t>1/22/2019</a:t>
             </a:fld>
             <a:endParaRPr lang="en-US"/>
           </a:p>
@@ -2932,7 +2932,7 @@
           <a:p>
             <a:fld id="{7815AAF6-D9AF-47C3-92DD-99476B64B79F}" type="datetimeFigureOut">
               <a:rPr lang="en-US" smtClean="0"/>
-              <a:t>1/21/2019</a:t>
+              <a:t>1/22/2019</a:t>
             </a:fld>
             <a:endParaRPr lang="en-US"/>
           </a:p>
@@ -3498,7 +3498,7 @@
             <a:pPr algn="ctr"/>
             <a:r>
               <a:rPr lang="en-US" sz="3700" b="1" spc="100" dirty="0"/>
-              <a:t>Buffalo Bayou Flood Risk Reduction for Next Harvey</a:t>
+              <a:t>Upstream Flood Risk Reduction for Next Harvey</a:t>
             </a:r>
           </a:p>
         </p:txBody>
@@ -4042,8 +4042,8 @@
         </p:nvSpPr>
         <p:spPr>
           <a:xfrm>
-            <a:off x="4165600" y="1690688"/>
-            <a:ext cx="3860800" cy="4448013"/>
+            <a:off x="2039007" y="1690688"/>
+            <a:ext cx="8586951" cy="4448013"/>
           </a:xfrm>
           <a:prstGeom prst="rect">
             <a:avLst/>
@@ -4065,7 +4065,7 @@
             </a:pPr>
             <a:r>
               <a:rPr lang="en-US" sz="3200" dirty="0"/>
-              <a:t>Number 1 - Doug</a:t>
+              <a:t>Addicks and Barker Reservoirs - Constant Threat</a:t>
             </a:r>
           </a:p>
           <a:p>
@@ -4078,7 +4078,7 @@
             </a:pPr>
             <a:r>
               <a:rPr lang="en-US" sz="3200" dirty="0"/>
-              <a:t>Number 2 - Doug</a:t>
+              <a:t>Future Buffalo  Bayou Flooding - High Risk </a:t>
             </a:r>
           </a:p>
           <a:p>
@@ -4130,7 +4130,7 @@
             </a:pPr>
             <a:r>
               <a:rPr lang="en-US" sz="3200" dirty="0"/>
-              <a:t>Number 6 - Lesly</a:t>
+              <a:t>Number 6 - Lesly </a:t>
             </a:r>
           </a:p>
         </p:txBody>

--- a/reports/presentation_FINAL.pptx
+++ b/reports/presentation_FINAL.pptx
@@ -4078,7 +4078,7 @@
             </a:pPr>
             <a:r>
               <a:rPr lang="en-US" sz="3200" dirty="0"/>
-              <a:t>Future Buffalo  Bayou Flooding - High Risk </a:t>
+              <a:t>Future Buffalo Bayou Flooding - High Risk </a:t>
             </a:r>
           </a:p>
           <a:p>

--- a/reports/presentation_FINAL.pptx
+++ b/reports/presentation_FINAL.pptx
@@ -117,7 +117,7 @@
   </p:defaultTextStyle>
   <p:extLst>
     <p:ext uri="{EFAFB233-063F-42B5-8137-9DF3F51BA10A}">
-      <p15:sldGuideLst xmlns:p15="http://schemas.microsoft.com/office/powerpoint/2012/main"/>
+      <p15:sldGuideLst xmlns:p15="http://schemas.microsoft.com/office/powerpoint/2012/main" xmlns=""/>
     </p:ext>
   </p:extLst>
 </p:presentation>
@@ -126,11 +126,7 @@
 <file path=ppt/commentAuthors.xml><?xml version="1.0" encoding="utf-8"?>
 <p:cmAuthorLst xmlns:a="http://schemas.openxmlformats.org/drawingml/2006/main" xmlns:r="http://schemas.openxmlformats.org/officeDocument/2006/relationships" xmlns:p="http://schemas.openxmlformats.org/presentationml/2006/main">
   <p:cmAuthor id="1" name="Doug Newsom" initials="DN" lastIdx="2" clrIdx="0">
-    <p:extLst>
-      <p:ext uri="{19B8F6BF-5375-455C-9EA6-DF929625EA0E}">
-        <p15:presenceInfo xmlns:p15="http://schemas.microsoft.com/office/powerpoint/2012/main" userId="3842fd2d3f6a5d17" providerId="Windows Live"/>
-      </p:ext>
-    </p:extLst>
+    <p:extLst/>
   </p:cmAuthor>
 </p:cmAuthorLst>
 </file>
@@ -157,7 +153,7 @@
           <p:cNvPr id="2" name="Title 1">
             <a:extLst>
               <a:ext uri="{FF2B5EF4-FFF2-40B4-BE49-F238E27FC236}">
-                <a16:creationId xmlns:a16="http://schemas.microsoft.com/office/drawing/2014/main" id="{E15E7597-348F-4107-AE99-3F3B03EAF628}"/>
+                <a16:creationId xmlns:a16="http://schemas.microsoft.com/office/drawing/2014/main" xmlns="" id="{E15E7597-348F-4107-AE99-3F3B03EAF628}"/>
               </a:ext>
             </a:extLst>
           </p:cNvPr>
@@ -194,7 +190,7 @@
           <p:cNvPr id="3" name="Subtitle 2">
             <a:extLst>
               <a:ext uri="{FF2B5EF4-FFF2-40B4-BE49-F238E27FC236}">
-                <a16:creationId xmlns:a16="http://schemas.microsoft.com/office/drawing/2014/main" id="{BDA33AB4-C8A7-413C-8A08-54BEE4EC47E4}"/>
+                <a16:creationId xmlns:a16="http://schemas.microsoft.com/office/drawing/2014/main" xmlns="" id="{BDA33AB4-C8A7-413C-8A08-54BEE4EC47E4}"/>
               </a:ext>
             </a:extLst>
           </p:cNvPr>
@@ -264,7 +260,7 @@
           <p:cNvPr id="4" name="Date Placeholder 3">
             <a:extLst>
               <a:ext uri="{FF2B5EF4-FFF2-40B4-BE49-F238E27FC236}">
-                <a16:creationId xmlns:a16="http://schemas.microsoft.com/office/drawing/2014/main" id="{4F08A5FF-3272-4500-941E-A52EB1C0FF77}"/>
+                <a16:creationId xmlns:a16="http://schemas.microsoft.com/office/drawing/2014/main" xmlns="" id="{4F08A5FF-3272-4500-941E-A52EB1C0FF77}"/>
               </a:ext>
             </a:extLst>
           </p:cNvPr>
@@ -282,7 +278,7 @@
           <a:p>
             <a:fld id="{7815AAF6-D9AF-47C3-92DD-99476B64B79F}" type="datetimeFigureOut">
               <a:rPr lang="en-US" smtClean="0"/>
-              <a:t>1/22/2019</a:t>
+              <a:t>1/22/19</a:t>
             </a:fld>
             <a:endParaRPr lang="en-US"/>
           </a:p>
@@ -293,7 +289,7 @@
           <p:cNvPr id="5" name="Footer Placeholder 4">
             <a:extLst>
               <a:ext uri="{FF2B5EF4-FFF2-40B4-BE49-F238E27FC236}">
-                <a16:creationId xmlns:a16="http://schemas.microsoft.com/office/drawing/2014/main" id="{940CAB49-83DB-4724-B79A-536070482806}"/>
+                <a16:creationId xmlns:a16="http://schemas.microsoft.com/office/drawing/2014/main" xmlns="" id="{940CAB49-83DB-4724-B79A-536070482806}"/>
               </a:ext>
             </a:extLst>
           </p:cNvPr>
@@ -318,7 +314,7 @@
           <p:cNvPr id="6" name="Slide Number Placeholder 5">
             <a:extLst>
               <a:ext uri="{FF2B5EF4-FFF2-40B4-BE49-F238E27FC236}">
-                <a16:creationId xmlns:a16="http://schemas.microsoft.com/office/drawing/2014/main" id="{886F480E-499D-4F28-AE0A-C7417844C40F}"/>
+                <a16:creationId xmlns:a16="http://schemas.microsoft.com/office/drawing/2014/main" xmlns="" id="{886F480E-499D-4F28-AE0A-C7417844C40F}"/>
               </a:ext>
             </a:extLst>
           </p:cNvPr>
@@ -377,7 +373,7 @@
           <p:cNvPr id="2" name="Title 1">
             <a:extLst>
               <a:ext uri="{FF2B5EF4-FFF2-40B4-BE49-F238E27FC236}">
-                <a16:creationId xmlns:a16="http://schemas.microsoft.com/office/drawing/2014/main" id="{78CE70E3-0748-4962-B4ED-3F324E48096E}"/>
+                <a16:creationId xmlns:a16="http://schemas.microsoft.com/office/drawing/2014/main" xmlns="" id="{78CE70E3-0748-4962-B4ED-3F324E48096E}"/>
               </a:ext>
             </a:extLst>
           </p:cNvPr>
@@ -405,7 +401,7 @@
           <p:cNvPr id="3" name="Vertical Text Placeholder 2">
             <a:extLst>
               <a:ext uri="{FF2B5EF4-FFF2-40B4-BE49-F238E27FC236}">
-                <a16:creationId xmlns:a16="http://schemas.microsoft.com/office/drawing/2014/main" id="{06499858-DF9B-4670-9436-5DF8DC8E76B0}"/>
+                <a16:creationId xmlns:a16="http://schemas.microsoft.com/office/drawing/2014/main" xmlns="" id="{06499858-DF9B-4670-9436-5DF8DC8E76B0}"/>
               </a:ext>
             </a:extLst>
           </p:cNvPr>
@@ -462,7 +458,7 @@
           <p:cNvPr id="4" name="Date Placeholder 3">
             <a:extLst>
               <a:ext uri="{FF2B5EF4-FFF2-40B4-BE49-F238E27FC236}">
-                <a16:creationId xmlns:a16="http://schemas.microsoft.com/office/drawing/2014/main" id="{75DF150A-565B-48CB-B8E1-7DD75D2A6B0E}"/>
+                <a16:creationId xmlns:a16="http://schemas.microsoft.com/office/drawing/2014/main" xmlns="" id="{75DF150A-565B-48CB-B8E1-7DD75D2A6B0E}"/>
               </a:ext>
             </a:extLst>
           </p:cNvPr>
@@ -480,7 +476,7 @@
           <a:p>
             <a:fld id="{7815AAF6-D9AF-47C3-92DD-99476B64B79F}" type="datetimeFigureOut">
               <a:rPr lang="en-US" smtClean="0"/>
-              <a:t>1/22/2019</a:t>
+              <a:t>1/22/19</a:t>
             </a:fld>
             <a:endParaRPr lang="en-US"/>
           </a:p>
@@ -491,7 +487,7 @@
           <p:cNvPr id="5" name="Footer Placeholder 4">
             <a:extLst>
               <a:ext uri="{FF2B5EF4-FFF2-40B4-BE49-F238E27FC236}">
-                <a16:creationId xmlns:a16="http://schemas.microsoft.com/office/drawing/2014/main" id="{20FA65B2-D654-4A31-B72E-7ABDCFAF8E83}"/>
+                <a16:creationId xmlns:a16="http://schemas.microsoft.com/office/drawing/2014/main" xmlns="" id="{20FA65B2-D654-4A31-B72E-7ABDCFAF8E83}"/>
               </a:ext>
             </a:extLst>
           </p:cNvPr>
@@ -516,7 +512,7 @@
           <p:cNvPr id="6" name="Slide Number Placeholder 5">
             <a:extLst>
               <a:ext uri="{FF2B5EF4-FFF2-40B4-BE49-F238E27FC236}">
-                <a16:creationId xmlns:a16="http://schemas.microsoft.com/office/drawing/2014/main" id="{E3041164-9BCA-4E8D-AE18-86909BE1A0F3}"/>
+                <a16:creationId xmlns:a16="http://schemas.microsoft.com/office/drawing/2014/main" xmlns="" id="{E3041164-9BCA-4E8D-AE18-86909BE1A0F3}"/>
               </a:ext>
             </a:extLst>
           </p:cNvPr>
@@ -575,7 +571,7 @@
           <p:cNvPr id="2" name="Vertical Title 1">
             <a:extLst>
               <a:ext uri="{FF2B5EF4-FFF2-40B4-BE49-F238E27FC236}">
-                <a16:creationId xmlns:a16="http://schemas.microsoft.com/office/drawing/2014/main" id="{5426D479-27F0-4C56-87F8-76BF9580ABEA}"/>
+                <a16:creationId xmlns:a16="http://schemas.microsoft.com/office/drawing/2014/main" xmlns="" id="{5426D479-27F0-4C56-87F8-76BF9580ABEA}"/>
               </a:ext>
             </a:extLst>
           </p:cNvPr>
@@ -608,7 +604,7 @@
           <p:cNvPr id="3" name="Vertical Text Placeholder 2">
             <a:extLst>
               <a:ext uri="{FF2B5EF4-FFF2-40B4-BE49-F238E27FC236}">
-                <a16:creationId xmlns:a16="http://schemas.microsoft.com/office/drawing/2014/main" id="{69DCDC97-12E3-434E-85A9-0D260527D03B}"/>
+                <a16:creationId xmlns:a16="http://schemas.microsoft.com/office/drawing/2014/main" xmlns="" id="{69DCDC97-12E3-434E-85A9-0D260527D03B}"/>
               </a:ext>
             </a:extLst>
           </p:cNvPr>
@@ -670,7 +666,7 @@
           <p:cNvPr id="4" name="Date Placeholder 3">
             <a:extLst>
               <a:ext uri="{FF2B5EF4-FFF2-40B4-BE49-F238E27FC236}">
-                <a16:creationId xmlns:a16="http://schemas.microsoft.com/office/drawing/2014/main" id="{1754EEBE-A512-4E72-B807-C6393B7FD739}"/>
+                <a16:creationId xmlns:a16="http://schemas.microsoft.com/office/drawing/2014/main" xmlns="" id="{1754EEBE-A512-4E72-B807-C6393B7FD739}"/>
               </a:ext>
             </a:extLst>
           </p:cNvPr>
@@ -688,7 +684,7 @@
           <a:p>
             <a:fld id="{7815AAF6-D9AF-47C3-92DD-99476B64B79F}" type="datetimeFigureOut">
               <a:rPr lang="en-US" smtClean="0"/>
-              <a:t>1/22/2019</a:t>
+              <a:t>1/22/19</a:t>
             </a:fld>
             <a:endParaRPr lang="en-US"/>
           </a:p>
@@ -699,7 +695,7 @@
           <p:cNvPr id="5" name="Footer Placeholder 4">
             <a:extLst>
               <a:ext uri="{FF2B5EF4-FFF2-40B4-BE49-F238E27FC236}">
-                <a16:creationId xmlns:a16="http://schemas.microsoft.com/office/drawing/2014/main" id="{6DE9C0C5-88CF-434C-BBC7-89B93EE2FC14}"/>
+                <a16:creationId xmlns:a16="http://schemas.microsoft.com/office/drawing/2014/main" xmlns="" id="{6DE9C0C5-88CF-434C-BBC7-89B93EE2FC14}"/>
               </a:ext>
             </a:extLst>
           </p:cNvPr>
@@ -724,7 +720,7 @@
           <p:cNvPr id="6" name="Slide Number Placeholder 5">
             <a:extLst>
               <a:ext uri="{FF2B5EF4-FFF2-40B4-BE49-F238E27FC236}">
-                <a16:creationId xmlns:a16="http://schemas.microsoft.com/office/drawing/2014/main" id="{F4604160-64C4-429C-AD72-F7D3C04F7AB4}"/>
+                <a16:creationId xmlns:a16="http://schemas.microsoft.com/office/drawing/2014/main" xmlns="" id="{F4604160-64C4-429C-AD72-F7D3C04F7AB4}"/>
               </a:ext>
             </a:extLst>
           </p:cNvPr>
@@ -783,7 +779,7 @@
           <p:cNvPr id="2" name="Title 1">
             <a:extLst>
               <a:ext uri="{FF2B5EF4-FFF2-40B4-BE49-F238E27FC236}">
-                <a16:creationId xmlns:a16="http://schemas.microsoft.com/office/drawing/2014/main" id="{5CBE57BF-DFA0-4C53-B461-37BE34F4908F}"/>
+                <a16:creationId xmlns:a16="http://schemas.microsoft.com/office/drawing/2014/main" xmlns="" id="{5CBE57BF-DFA0-4C53-B461-37BE34F4908F}"/>
               </a:ext>
             </a:extLst>
           </p:cNvPr>
@@ -811,7 +807,7 @@
           <p:cNvPr id="3" name="Content Placeholder 2">
             <a:extLst>
               <a:ext uri="{FF2B5EF4-FFF2-40B4-BE49-F238E27FC236}">
-                <a16:creationId xmlns:a16="http://schemas.microsoft.com/office/drawing/2014/main" id="{008F300D-7728-4BCB-9F40-5A3FA957B87C}"/>
+                <a16:creationId xmlns:a16="http://schemas.microsoft.com/office/drawing/2014/main" xmlns="" id="{008F300D-7728-4BCB-9F40-5A3FA957B87C}"/>
               </a:ext>
             </a:extLst>
           </p:cNvPr>
@@ -868,7 +864,7 @@
           <p:cNvPr id="4" name="Date Placeholder 3">
             <a:extLst>
               <a:ext uri="{FF2B5EF4-FFF2-40B4-BE49-F238E27FC236}">
-                <a16:creationId xmlns:a16="http://schemas.microsoft.com/office/drawing/2014/main" id="{A609D9D6-FE50-4C45-8DEA-32BDE46F04F4}"/>
+                <a16:creationId xmlns:a16="http://schemas.microsoft.com/office/drawing/2014/main" xmlns="" id="{A609D9D6-FE50-4C45-8DEA-32BDE46F04F4}"/>
               </a:ext>
             </a:extLst>
           </p:cNvPr>
@@ -886,7 +882,7 @@
           <a:p>
             <a:fld id="{7815AAF6-D9AF-47C3-92DD-99476B64B79F}" type="datetimeFigureOut">
               <a:rPr lang="en-US" smtClean="0"/>
-              <a:t>1/22/2019</a:t>
+              <a:t>1/22/19</a:t>
             </a:fld>
             <a:endParaRPr lang="en-US"/>
           </a:p>
@@ -897,7 +893,7 @@
           <p:cNvPr id="5" name="Footer Placeholder 4">
             <a:extLst>
               <a:ext uri="{FF2B5EF4-FFF2-40B4-BE49-F238E27FC236}">
-                <a16:creationId xmlns:a16="http://schemas.microsoft.com/office/drawing/2014/main" id="{AA76B6D5-7AED-4137-80AD-26E6CB85BFD0}"/>
+                <a16:creationId xmlns:a16="http://schemas.microsoft.com/office/drawing/2014/main" xmlns="" id="{AA76B6D5-7AED-4137-80AD-26E6CB85BFD0}"/>
               </a:ext>
             </a:extLst>
           </p:cNvPr>
@@ -922,7 +918,7 @@
           <p:cNvPr id="6" name="Slide Number Placeholder 5">
             <a:extLst>
               <a:ext uri="{FF2B5EF4-FFF2-40B4-BE49-F238E27FC236}">
-                <a16:creationId xmlns:a16="http://schemas.microsoft.com/office/drawing/2014/main" id="{C76621CF-6C61-4C27-A1A5-E837CF43B01B}"/>
+                <a16:creationId xmlns:a16="http://schemas.microsoft.com/office/drawing/2014/main" xmlns="" id="{C76621CF-6C61-4C27-A1A5-E837CF43B01B}"/>
               </a:ext>
             </a:extLst>
           </p:cNvPr>
@@ -981,7 +977,7 @@
           <p:cNvPr id="2" name="Title 1">
             <a:extLst>
               <a:ext uri="{FF2B5EF4-FFF2-40B4-BE49-F238E27FC236}">
-                <a16:creationId xmlns:a16="http://schemas.microsoft.com/office/drawing/2014/main" id="{9754459C-0C25-44B3-AE09-B4430E572653}"/>
+                <a16:creationId xmlns:a16="http://schemas.microsoft.com/office/drawing/2014/main" xmlns="" id="{9754459C-0C25-44B3-AE09-B4430E572653}"/>
               </a:ext>
             </a:extLst>
           </p:cNvPr>
@@ -1018,7 +1014,7 @@
           <p:cNvPr id="3" name="Text Placeholder 2">
             <a:extLst>
               <a:ext uri="{FF2B5EF4-FFF2-40B4-BE49-F238E27FC236}">
-                <a16:creationId xmlns:a16="http://schemas.microsoft.com/office/drawing/2014/main" id="{0B080183-4BD4-4A25-9DCC-D525DBCF2C10}"/>
+                <a16:creationId xmlns:a16="http://schemas.microsoft.com/office/drawing/2014/main" xmlns="" id="{0B080183-4BD4-4A25-9DCC-D525DBCF2C10}"/>
               </a:ext>
             </a:extLst>
           </p:cNvPr>
@@ -1143,7 +1139,7 @@
           <p:cNvPr id="4" name="Date Placeholder 3">
             <a:extLst>
               <a:ext uri="{FF2B5EF4-FFF2-40B4-BE49-F238E27FC236}">
-                <a16:creationId xmlns:a16="http://schemas.microsoft.com/office/drawing/2014/main" id="{62C6829D-4227-4C9C-A2E0-759FE73389FC}"/>
+                <a16:creationId xmlns:a16="http://schemas.microsoft.com/office/drawing/2014/main" xmlns="" id="{62C6829D-4227-4C9C-A2E0-759FE73389FC}"/>
               </a:ext>
             </a:extLst>
           </p:cNvPr>
@@ -1161,7 +1157,7 @@
           <a:p>
             <a:fld id="{7815AAF6-D9AF-47C3-92DD-99476B64B79F}" type="datetimeFigureOut">
               <a:rPr lang="en-US" smtClean="0"/>
-              <a:t>1/22/2019</a:t>
+              <a:t>1/22/19</a:t>
             </a:fld>
             <a:endParaRPr lang="en-US"/>
           </a:p>
@@ -1172,7 +1168,7 @@
           <p:cNvPr id="5" name="Footer Placeholder 4">
             <a:extLst>
               <a:ext uri="{FF2B5EF4-FFF2-40B4-BE49-F238E27FC236}">
-                <a16:creationId xmlns:a16="http://schemas.microsoft.com/office/drawing/2014/main" id="{8CC53BDB-9B14-4973-B6CB-DD550569E33E}"/>
+                <a16:creationId xmlns:a16="http://schemas.microsoft.com/office/drawing/2014/main" xmlns="" id="{8CC53BDB-9B14-4973-B6CB-DD550569E33E}"/>
               </a:ext>
             </a:extLst>
           </p:cNvPr>
@@ -1197,7 +1193,7 @@
           <p:cNvPr id="6" name="Slide Number Placeholder 5">
             <a:extLst>
               <a:ext uri="{FF2B5EF4-FFF2-40B4-BE49-F238E27FC236}">
-                <a16:creationId xmlns:a16="http://schemas.microsoft.com/office/drawing/2014/main" id="{E6DA116F-F529-4452-AAF7-82DAE18725AE}"/>
+                <a16:creationId xmlns:a16="http://schemas.microsoft.com/office/drawing/2014/main" xmlns="" id="{E6DA116F-F529-4452-AAF7-82DAE18725AE}"/>
               </a:ext>
             </a:extLst>
           </p:cNvPr>
@@ -1256,7 +1252,7 @@
           <p:cNvPr id="2" name="Title 1">
             <a:extLst>
               <a:ext uri="{FF2B5EF4-FFF2-40B4-BE49-F238E27FC236}">
-                <a16:creationId xmlns:a16="http://schemas.microsoft.com/office/drawing/2014/main" id="{9166BF02-1327-497F-B705-4D6685A80848}"/>
+                <a16:creationId xmlns:a16="http://schemas.microsoft.com/office/drawing/2014/main" xmlns="" id="{9166BF02-1327-497F-B705-4D6685A80848}"/>
               </a:ext>
             </a:extLst>
           </p:cNvPr>
@@ -1284,7 +1280,7 @@
           <p:cNvPr id="3" name="Content Placeholder 2">
             <a:extLst>
               <a:ext uri="{FF2B5EF4-FFF2-40B4-BE49-F238E27FC236}">
-                <a16:creationId xmlns:a16="http://schemas.microsoft.com/office/drawing/2014/main" id="{B9775CA2-4E2A-4823-96D0-52B6C6D40585}"/>
+                <a16:creationId xmlns:a16="http://schemas.microsoft.com/office/drawing/2014/main" xmlns="" id="{B9775CA2-4E2A-4823-96D0-52B6C6D40585}"/>
               </a:ext>
             </a:extLst>
           </p:cNvPr>
@@ -1346,7 +1342,7 @@
           <p:cNvPr id="4" name="Content Placeholder 3">
             <a:extLst>
               <a:ext uri="{FF2B5EF4-FFF2-40B4-BE49-F238E27FC236}">
-                <a16:creationId xmlns:a16="http://schemas.microsoft.com/office/drawing/2014/main" id="{3A7BE62F-7873-42A3-A34A-4CF2D4B9B939}"/>
+                <a16:creationId xmlns:a16="http://schemas.microsoft.com/office/drawing/2014/main" xmlns="" id="{3A7BE62F-7873-42A3-A34A-4CF2D4B9B939}"/>
               </a:ext>
             </a:extLst>
           </p:cNvPr>
@@ -1408,7 +1404,7 @@
           <p:cNvPr id="5" name="Date Placeholder 4">
             <a:extLst>
               <a:ext uri="{FF2B5EF4-FFF2-40B4-BE49-F238E27FC236}">
-                <a16:creationId xmlns:a16="http://schemas.microsoft.com/office/drawing/2014/main" id="{6E41FED0-2259-4C09-946D-661A95BA7E93}"/>
+                <a16:creationId xmlns:a16="http://schemas.microsoft.com/office/drawing/2014/main" xmlns="" id="{6E41FED0-2259-4C09-946D-661A95BA7E93}"/>
               </a:ext>
             </a:extLst>
           </p:cNvPr>
@@ -1426,7 +1422,7 @@
           <a:p>
             <a:fld id="{7815AAF6-D9AF-47C3-92DD-99476B64B79F}" type="datetimeFigureOut">
               <a:rPr lang="en-US" smtClean="0"/>
-              <a:t>1/22/2019</a:t>
+              <a:t>1/22/19</a:t>
             </a:fld>
             <a:endParaRPr lang="en-US"/>
           </a:p>
@@ -1437,7 +1433,7 @@
           <p:cNvPr id="6" name="Footer Placeholder 5">
             <a:extLst>
               <a:ext uri="{FF2B5EF4-FFF2-40B4-BE49-F238E27FC236}">
-                <a16:creationId xmlns:a16="http://schemas.microsoft.com/office/drawing/2014/main" id="{CAAB49A2-62D8-4E4A-B34B-581D29485EE8}"/>
+                <a16:creationId xmlns:a16="http://schemas.microsoft.com/office/drawing/2014/main" xmlns="" id="{CAAB49A2-62D8-4E4A-B34B-581D29485EE8}"/>
               </a:ext>
             </a:extLst>
           </p:cNvPr>
@@ -1462,7 +1458,7 @@
           <p:cNvPr id="7" name="Slide Number Placeholder 6">
             <a:extLst>
               <a:ext uri="{FF2B5EF4-FFF2-40B4-BE49-F238E27FC236}">
-                <a16:creationId xmlns:a16="http://schemas.microsoft.com/office/drawing/2014/main" id="{76B87439-B8CA-463C-BAFB-62891339D0D4}"/>
+                <a16:creationId xmlns:a16="http://schemas.microsoft.com/office/drawing/2014/main" xmlns="" id="{76B87439-B8CA-463C-BAFB-62891339D0D4}"/>
               </a:ext>
             </a:extLst>
           </p:cNvPr>
@@ -1521,7 +1517,7 @@
           <p:cNvPr id="2" name="Title 1">
             <a:extLst>
               <a:ext uri="{FF2B5EF4-FFF2-40B4-BE49-F238E27FC236}">
-                <a16:creationId xmlns:a16="http://schemas.microsoft.com/office/drawing/2014/main" id="{56997F70-914F-4B02-AC18-58C2F9E40A15}"/>
+                <a16:creationId xmlns:a16="http://schemas.microsoft.com/office/drawing/2014/main" xmlns="" id="{56997F70-914F-4B02-AC18-58C2F9E40A15}"/>
               </a:ext>
             </a:extLst>
           </p:cNvPr>
@@ -1554,7 +1550,7 @@
           <p:cNvPr id="3" name="Text Placeholder 2">
             <a:extLst>
               <a:ext uri="{FF2B5EF4-FFF2-40B4-BE49-F238E27FC236}">
-                <a16:creationId xmlns:a16="http://schemas.microsoft.com/office/drawing/2014/main" id="{DE2CBE7A-DFF2-4F1C-8900-86F2AC2EC6A2}"/>
+                <a16:creationId xmlns:a16="http://schemas.microsoft.com/office/drawing/2014/main" xmlns="" id="{DE2CBE7A-DFF2-4F1C-8900-86F2AC2EC6A2}"/>
               </a:ext>
             </a:extLst>
           </p:cNvPr>
@@ -1625,7 +1621,7 @@
           <p:cNvPr id="4" name="Content Placeholder 3">
             <a:extLst>
               <a:ext uri="{FF2B5EF4-FFF2-40B4-BE49-F238E27FC236}">
-                <a16:creationId xmlns:a16="http://schemas.microsoft.com/office/drawing/2014/main" id="{C7D6A2D8-C488-44E3-9812-DD056097572F}"/>
+                <a16:creationId xmlns:a16="http://schemas.microsoft.com/office/drawing/2014/main" xmlns="" id="{C7D6A2D8-C488-44E3-9812-DD056097572F}"/>
               </a:ext>
             </a:extLst>
           </p:cNvPr>
@@ -1687,7 +1683,7 @@
           <p:cNvPr id="5" name="Text Placeholder 4">
             <a:extLst>
               <a:ext uri="{FF2B5EF4-FFF2-40B4-BE49-F238E27FC236}">
-                <a16:creationId xmlns:a16="http://schemas.microsoft.com/office/drawing/2014/main" id="{48DC34F3-89E3-41D0-953C-69FE932044B0}"/>
+                <a16:creationId xmlns:a16="http://schemas.microsoft.com/office/drawing/2014/main" xmlns="" id="{48DC34F3-89E3-41D0-953C-69FE932044B0}"/>
               </a:ext>
             </a:extLst>
           </p:cNvPr>
@@ -1758,7 +1754,7 @@
           <p:cNvPr id="6" name="Content Placeholder 5">
             <a:extLst>
               <a:ext uri="{FF2B5EF4-FFF2-40B4-BE49-F238E27FC236}">
-                <a16:creationId xmlns:a16="http://schemas.microsoft.com/office/drawing/2014/main" id="{6D8173CE-88DA-4BE2-8EE2-B7C6AB6FEE0D}"/>
+                <a16:creationId xmlns:a16="http://schemas.microsoft.com/office/drawing/2014/main" xmlns="" id="{6D8173CE-88DA-4BE2-8EE2-B7C6AB6FEE0D}"/>
               </a:ext>
             </a:extLst>
           </p:cNvPr>
@@ -1820,7 +1816,7 @@
           <p:cNvPr id="7" name="Date Placeholder 6">
             <a:extLst>
               <a:ext uri="{FF2B5EF4-FFF2-40B4-BE49-F238E27FC236}">
-                <a16:creationId xmlns:a16="http://schemas.microsoft.com/office/drawing/2014/main" id="{F1E6971F-F99A-44C5-9FB9-20AC538624F5}"/>
+                <a16:creationId xmlns:a16="http://schemas.microsoft.com/office/drawing/2014/main" xmlns="" id="{F1E6971F-F99A-44C5-9FB9-20AC538624F5}"/>
               </a:ext>
             </a:extLst>
           </p:cNvPr>
@@ -1838,7 +1834,7 @@
           <a:p>
             <a:fld id="{7815AAF6-D9AF-47C3-92DD-99476B64B79F}" type="datetimeFigureOut">
               <a:rPr lang="en-US" smtClean="0"/>
-              <a:t>1/22/2019</a:t>
+              <a:t>1/22/19</a:t>
             </a:fld>
             <a:endParaRPr lang="en-US"/>
           </a:p>
@@ -1849,7 +1845,7 @@
           <p:cNvPr id="8" name="Footer Placeholder 7">
             <a:extLst>
               <a:ext uri="{FF2B5EF4-FFF2-40B4-BE49-F238E27FC236}">
-                <a16:creationId xmlns:a16="http://schemas.microsoft.com/office/drawing/2014/main" id="{126974EF-FCFF-48BB-8971-705B441CFF43}"/>
+                <a16:creationId xmlns:a16="http://schemas.microsoft.com/office/drawing/2014/main" xmlns="" id="{126974EF-FCFF-48BB-8971-705B441CFF43}"/>
               </a:ext>
             </a:extLst>
           </p:cNvPr>
@@ -1874,7 +1870,7 @@
           <p:cNvPr id="9" name="Slide Number Placeholder 8">
             <a:extLst>
               <a:ext uri="{FF2B5EF4-FFF2-40B4-BE49-F238E27FC236}">
-                <a16:creationId xmlns:a16="http://schemas.microsoft.com/office/drawing/2014/main" id="{B9349304-AB30-43AD-A7C8-7970E7D5EF14}"/>
+                <a16:creationId xmlns:a16="http://schemas.microsoft.com/office/drawing/2014/main" xmlns="" id="{B9349304-AB30-43AD-A7C8-7970E7D5EF14}"/>
               </a:ext>
             </a:extLst>
           </p:cNvPr>
@@ -1933,7 +1929,7 @@
           <p:cNvPr id="2" name="Title 1">
             <a:extLst>
               <a:ext uri="{FF2B5EF4-FFF2-40B4-BE49-F238E27FC236}">
-                <a16:creationId xmlns:a16="http://schemas.microsoft.com/office/drawing/2014/main" id="{53A77DD7-F064-4CDB-A959-EC038A9713CE}"/>
+                <a16:creationId xmlns:a16="http://schemas.microsoft.com/office/drawing/2014/main" xmlns="" id="{53A77DD7-F064-4CDB-A959-EC038A9713CE}"/>
               </a:ext>
             </a:extLst>
           </p:cNvPr>
@@ -1961,7 +1957,7 @@
           <p:cNvPr id="3" name="Date Placeholder 2">
             <a:extLst>
               <a:ext uri="{FF2B5EF4-FFF2-40B4-BE49-F238E27FC236}">
-                <a16:creationId xmlns:a16="http://schemas.microsoft.com/office/drawing/2014/main" id="{F6815536-F48A-45B1-BAD2-EC02BEA84BBA}"/>
+                <a16:creationId xmlns:a16="http://schemas.microsoft.com/office/drawing/2014/main" xmlns="" id="{F6815536-F48A-45B1-BAD2-EC02BEA84BBA}"/>
               </a:ext>
             </a:extLst>
           </p:cNvPr>
@@ -1979,7 +1975,7 @@
           <a:p>
             <a:fld id="{7815AAF6-D9AF-47C3-92DD-99476B64B79F}" type="datetimeFigureOut">
               <a:rPr lang="en-US" smtClean="0"/>
-              <a:t>1/22/2019</a:t>
+              <a:t>1/22/19</a:t>
             </a:fld>
             <a:endParaRPr lang="en-US"/>
           </a:p>
@@ -1990,7 +1986,7 @@
           <p:cNvPr id="4" name="Footer Placeholder 3">
             <a:extLst>
               <a:ext uri="{FF2B5EF4-FFF2-40B4-BE49-F238E27FC236}">
-                <a16:creationId xmlns:a16="http://schemas.microsoft.com/office/drawing/2014/main" id="{93EB9B8E-6A58-48FF-985C-8B821AAE88DB}"/>
+                <a16:creationId xmlns:a16="http://schemas.microsoft.com/office/drawing/2014/main" xmlns="" id="{93EB9B8E-6A58-48FF-985C-8B821AAE88DB}"/>
               </a:ext>
             </a:extLst>
           </p:cNvPr>
@@ -2015,7 +2011,7 @@
           <p:cNvPr id="5" name="Slide Number Placeholder 4">
             <a:extLst>
               <a:ext uri="{FF2B5EF4-FFF2-40B4-BE49-F238E27FC236}">
-                <a16:creationId xmlns:a16="http://schemas.microsoft.com/office/drawing/2014/main" id="{7A9374FB-AD76-44C9-9676-E28205CDB2F4}"/>
+                <a16:creationId xmlns:a16="http://schemas.microsoft.com/office/drawing/2014/main" xmlns="" id="{7A9374FB-AD76-44C9-9676-E28205CDB2F4}"/>
               </a:ext>
             </a:extLst>
           </p:cNvPr>
@@ -2074,7 +2070,7 @@
           <p:cNvPr id="2" name="Date Placeholder 1">
             <a:extLst>
               <a:ext uri="{FF2B5EF4-FFF2-40B4-BE49-F238E27FC236}">
-                <a16:creationId xmlns:a16="http://schemas.microsoft.com/office/drawing/2014/main" id="{E1042419-49D6-4E56-931D-A778C12744D5}"/>
+                <a16:creationId xmlns:a16="http://schemas.microsoft.com/office/drawing/2014/main" xmlns="" id="{E1042419-49D6-4E56-931D-A778C12744D5}"/>
               </a:ext>
             </a:extLst>
           </p:cNvPr>
@@ -2092,7 +2088,7 @@
           <a:p>
             <a:fld id="{7815AAF6-D9AF-47C3-92DD-99476B64B79F}" type="datetimeFigureOut">
               <a:rPr lang="en-US" smtClean="0"/>
-              <a:t>1/22/2019</a:t>
+              <a:t>1/22/19</a:t>
             </a:fld>
             <a:endParaRPr lang="en-US"/>
           </a:p>
@@ -2103,7 +2099,7 @@
           <p:cNvPr id="3" name="Footer Placeholder 2">
             <a:extLst>
               <a:ext uri="{FF2B5EF4-FFF2-40B4-BE49-F238E27FC236}">
-                <a16:creationId xmlns:a16="http://schemas.microsoft.com/office/drawing/2014/main" id="{F388069B-F9AD-4445-8086-A0E1F1A8ED52}"/>
+                <a16:creationId xmlns:a16="http://schemas.microsoft.com/office/drawing/2014/main" xmlns="" id="{F388069B-F9AD-4445-8086-A0E1F1A8ED52}"/>
               </a:ext>
             </a:extLst>
           </p:cNvPr>
@@ -2128,7 +2124,7 @@
           <p:cNvPr id="4" name="Slide Number Placeholder 3">
             <a:extLst>
               <a:ext uri="{FF2B5EF4-FFF2-40B4-BE49-F238E27FC236}">
-                <a16:creationId xmlns:a16="http://schemas.microsoft.com/office/drawing/2014/main" id="{6E451094-EE0F-42BF-A9FC-4B81CCE02ED9}"/>
+                <a16:creationId xmlns:a16="http://schemas.microsoft.com/office/drawing/2014/main" xmlns="" id="{6E451094-EE0F-42BF-A9FC-4B81CCE02ED9}"/>
               </a:ext>
             </a:extLst>
           </p:cNvPr>
@@ -2187,7 +2183,7 @@
           <p:cNvPr id="2" name="Title 1">
             <a:extLst>
               <a:ext uri="{FF2B5EF4-FFF2-40B4-BE49-F238E27FC236}">
-                <a16:creationId xmlns:a16="http://schemas.microsoft.com/office/drawing/2014/main" id="{AD286BC7-478D-435B-A34F-53C32BF7A471}"/>
+                <a16:creationId xmlns:a16="http://schemas.microsoft.com/office/drawing/2014/main" xmlns="" id="{AD286BC7-478D-435B-A34F-53C32BF7A471}"/>
               </a:ext>
             </a:extLst>
           </p:cNvPr>
@@ -2224,7 +2220,7 @@
           <p:cNvPr id="3" name="Content Placeholder 2">
             <a:extLst>
               <a:ext uri="{FF2B5EF4-FFF2-40B4-BE49-F238E27FC236}">
-                <a16:creationId xmlns:a16="http://schemas.microsoft.com/office/drawing/2014/main" id="{27CE646E-615A-4E2D-80EF-DD4B608E60A5}"/>
+                <a16:creationId xmlns:a16="http://schemas.microsoft.com/office/drawing/2014/main" xmlns="" id="{27CE646E-615A-4E2D-80EF-DD4B608E60A5}"/>
               </a:ext>
             </a:extLst>
           </p:cNvPr>
@@ -2314,7 +2310,7 @@
           <p:cNvPr id="4" name="Text Placeholder 3">
             <a:extLst>
               <a:ext uri="{FF2B5EF4-FFF2-40B4-BE49-F238E27FC236}">
-                <a16:creationId xmlns:a16="http://schemas.microsoft.com/office/drawing/2014/main" id="{00A1A784-993E-4CCA-9562-BBAFB693CAB8}"/>
+                <a16:creationId xmlns:a16="http://schemas.microsoft.com/office/drawing/2014/main" xmlns="" id="{00A1A784-993E-4CCA-9562-BBAFB693CAB8}"/>
               </a:ext>
             </a:extLst>
           </p:cNvPr>
@@ -2385,7 +2381,7 @@
           <p:cNvPr id="5" name="Date Placeholder 4">
             <a:extLst>
               <a:ext uri="{FF2B5EF4-FFF2-40B4-BE49-F238E27FC236}">
-                <a16:creationId xmlns:a16="http://schemas.microsoft.com/office/drawing/2014/main" id="{335388B5-E6F7-4436-9B7E-DE983CF85C30}"/>
+                <a16:creationId xmlns:a16="http://schemas.microsoft.com/office/drawing/2014/main" xmlns="" id="{335388B5-E6F7-4436-9B7E-DE983CF85C30}"/>
               </a:ext>
             </a:extLst>
           </p:cNvPr>
@@ -2403,7 +2399,7 @@
           <a:p>
             <a:fld id="{7815AAF6-D9AF-47C3-92DD-99476B64B79F}" type="datetimeFigureOut">
               <a:rPr lang="en-US" smtClean="0"/>
-              <a:t>1/22/2019</a:t>
+              <a:t>1/22/19</a:t>
             </a:fld>
             <a:endParaRPr lang="en-US"/>
           </a:p>
@@ -2414,7 +2410,7 @@
           <p:cNvPr id="6" name="Footer Placeholder 5">
             <a:extLst>
               <a:ext uri="{FF2B5EF4-FFF2-40B4-BE49-F238E27FC236}">
-                <a16:creationId xmlns:a16="http://schemas.microsoft.com/office/drawing/2014/main" id="{026AE5F6-7E5E-4CFC-B219-280B838DC157}"/>
+                <a16:creationId xmlns:a16="http://schemas.microsoft.com/office/drawing/2014/main" xmlns="" id="{026AE5F6-7E5E-4CFC-B219-280B838DC157}"/>
               </a:ext>
             </a:extLst>
           </p:cNvPr>
@@ -2439,7 +2435,7 @@
           <p:cNvPr id="7" name="Slide Number Placeholder 6">
             <a:extLst>
               <a:ext uri="{FF2B5EF4-FFF2-40B4-BE49-F238E27FC236}">
-                <a16:creationId xmlns:a16="http://schemas.microsoft.com/office/drawing/2014/main" id="{2AB5DA1B-24E5-4FC1-BCE4-A0D762A8D765}"/>
+                <a16:creationId xmlns:a16="http://schemas.microsoft.com/office/drawing/2014/main" xmlns="" id="{2AB5DA1B-24E5-4FC1-BCE4-A0D762A8D765}"/>
               </a:ext>
             </a:extLst>
           </p:cNvPr>
@@ -2498,7 +2494,7 @@
           <p:cNvPr id="2" name="Title 1">
             <a:extLst>
               <a:ext uri="{FF2B5EF4-FFF2-40B4-BE49-F238E27FC236}">
-                <a16:creationId xmlns:a16="http://schemas.microsoft.com/office/drawing/2014/main" id="{82F8278B-3486-4D5D-9DE0-E8621F1E92DC}"/>
+                <a16:creationId xmlns:a16="http://schemas.microsoft.com/office/drawing/2014/main" xmlns="" id="{82F8278B-3486-4D5D-9DE0-E8621F1E92DC}"/>
               </a:ext>
             </a:extLst>
           </p:cNvPr>
@@ -2535,7 +2531,7 @@
           <p:cNvPr id="3" name="Picture Placeholder 2">
             <a:extLst>
               <a:ext uri="{FF2B5EF4-FFF2-40B4-BE49-F238E27FC236}">
-                <a16:creationId xmlns:a16="http://schemas.microsoft.com/office/drawing/2014/main" id="{858E153A-F520-4396-BCDC-786BEABA83B0}"/>
+                <a16:creationId xmlns:a16="http://schemas.microsoft.com/office/drawing/2014/main" xmlns="" id="{858E153A-F520-4396-BCDC-786BEABA83B0}"/>
               </a:ext>
             </a:extLst>
           </p:cNvPr>
@@ -2602,7 +2598,7 @@
           <p:cNvPr id="4" name="Text Placeholder 3">
             <a:extLst>
               <a:ext uri="{FF2B5EF4-FFF2-40B4-BE49-F238E27FC236}">
-                <a16:creationId xmlns:a16="http://schemas.microsoft.com/office/drawing/2014/main" id="{FD02CCC0-03E4-49A7-91C8-2CBD2353517A}"/>
+                <a16:creationId xmlns:a16="http://schemas.microsoft.com/office/drawing/2014/main" xmlns="" id="{FD02CCC0-03E4-49A7-91C8-2CBD2353517A}"/>
               </a:ext>
             </a:extLst>
           </p:cNvPr>
@@ -2673,7 +2669,7 @@
           <p:cNvPr id="5" name="Date Placeholder 4">
             <a:extLst>
               <a:ext uri="{FF2B5EF4-FFF2-40B4-BE49-F238E27FC236}">
-                <a16:creationId xmlns:a16="http://schemas.microsoft.com/office/drawing/2014/main" id="{731A0991-7C2E-47E8-83D1-B0C34D344D75}"/>
+                <a16:creationId xmlns:a16="http://schemas.microsoft.com/office/drawing/2014/main" xmlns="" id="{731A0991-7C2E-47E8-83D1-B0C34D344D75}"/>
               </a:ext>
             </a:extLst>
           </p:cNvPr>
@@ -2691,7 +2687,7 @@
           <a:p>
             <a:fld id="{7815AAF6-D9AF-47C3-92DD-99476B64B79F}" type="datetimeFigureOut">
               <a:rPr lang="en-US" smtClean="0"/>
-              <a:t>1/22/2019</a:t>
+              <a:t>1/22/19</a:t>
             </a:fld>
             <a:endParaRPr lang="en-US"/>
           </a:p>
@@ -2702,7 +2698,7 @@
           <p:cNvPr id="6" name="Footer Placeholder 5">
             <a:extLst>
               <a:ext uri="{FF2B5EF4-FFF2-40B4-BE49-F238E27FC236}">
-                <a16:creationId xmlns:a16="http://schemas.microsoft.com/office/drawing/2014/main" id="{EE5B36D0-5AEE-48F1-9A27-C2DC1AE329E1}"/>
+                <a16:creationId xmlns:a16="http://schemas.microsoft.com/office/drawing/2014/main" xmlns="" id="{EE5B36D0-5AEE-48F1-9A27-C2DC1AE329E1}"/>
               </a:ext>
             </a:extLst>
           </p:cNvPr>
@@ -2727,7 +2723,7 @@
           <p:cNvPr id="7" name="Slide Number Placeholder 6">
             <a:extLst>
               <a:ext uri="{FF2B5EF4-FFF2-40B4-BE49-F238E27FC236}">
-                <a16:creationId xmlns:a16="http://schemas.microsoft.com/office/drawing/2014/main" id="{FC8CB07A-CCEE-485F-B21E-946C27B4E32C}"/>
+                <a16:creationId xmlns:a16="http://schemas.microsoft.com/office/drawing/2014/main" xmlns="" id="{FC8CB07A-CCEE-485F-B21E-946C27B4E32C}"/>
               </a:ext>
             </a:extLst>
           </p:cNvPr>
@@ -2791,7 +2787,7 @@
           <p:cNvPr id="2" name="Title Placeholder 1">
             <a:extLst>
               <a:ext uri="{FF2B5EF4-FFF2-40B4-BE49-F238E27FC236}">
-                <a16:creationId xmlns:a16="http://schemas.microsoft.com/office/drawing/2014/main" id="{10ACA73B-2CD0-4FF8-886E-91E32ADF33B3}"/>
+                <a16:creationId xmlns:a16="http://schemas.microsoft.com/office/drawing/2014/main" xmlns="" id="{10ACA73B-2CD0-4FF8-886E-91E32ADF33B3}"/>
               </a:ext>
             </a:extLst>
           </p:cNvPr>
@@ -2829,7 +2825,7 @@
           <p:cNvPr id="3" name="Text Placeholder 2">
             <a:extLst>
               <a:ext uri="{FF2B5EF4-FFF2-40B4-BE49-F238E27FC236}">
-                <a16:creationId xmlns:a16="http://schemas.microsoft.com/office/drawing/2014/main" id="{C23D3121-41B1-4129-9F69-331546D49717}"/>
+                <a16:creationId xmlns:a16="http://schemas.microsoft.com/office/drawing/2014/main" xmlns="" id="{C23D3121-41B1-4129-9F69-331546D49717}"/>
               </a:ext>
             </a:extLst>
           </p:cNvPr>
@@ -2896,7 +2892,7 @@
           <p:cNvPr id="4" name="Date Placeholder 3">
             <a:extLst>
               <a:ext uri="{FF2B5EF4-FFF2-40B4-BE49-F238E27FC236}">
-                <a16:creationId xmlns:a16="http://schemas.microsoft.com/office/drawing/2014/main" id="{67D13A0B-0880-42E3-A1E6-0498FB108089}"/>
+                <a16:creationId xmlns:a16="http://schemas.microsoft.com/office/drawing/2014/main" xmlns="" id="{67D13A0B-0880-42E3-A1E6-0498FB108089}"/>
               </a:ext>
             </a:extLst>
           </p:cNvPr>
@@ -2932,7 +2928,7 @@
           <a:p>
             <a:fld id="{7815AAF6-D9AF-47C3-92DD-99476B64B79F}" type="datetimeFigureOut">
               <a:rPr lang="en-US" smtClean="0"/>
-              <a:t>1/22/2019</a:t>
+              <a:t>1/22/19</a:t>
             </a:fld>
             <a:endParaRPr lang="en-US"/>
           </a:p>
@@ -2943,7 +2939,7 @@
           <p:cNvPr id="5" name="Footer Placeholder 4">
             <a:extLst>
               <a:ext uri="{FF2B5EF4-FFF2-40B4-BE49-F238E27FC236}">
-                <a16:creationId xmlns:a16="http://schemas.microsoft.com/office/drawing/2014/main" id="{752AE686-D49B-4520-9E42-0EDE1835A58B}"/>
+                <a16:creationId xmlns:a16="http://schemas.microsoft.com/office/drawing/2014/main" xmlns="" id="{752AE686-D49B-4520-9E42-0EDE1835A58B}"/>
               </a:ext>
             </a:extLst>
           </p:cNvPr>
@@ -2986,7 +2982,7 @@
           <p:cNvPr id="6" name="Slide Number Placeholder 5">
             <a:extLst>
               <a:ext uri="{FF2B5EF4-FFF2-40B4-BE49-F238E27FC236}">
-                <a16:creationId xmlns:a16="http://schemas.microsoft.com/office/drawing/2014/main" id="{B4597C51-D549-461C-944B-1C9DA2625EB3}"/>
+                <a16:creationId xmlns:a16="http://schemas.microsoft.com/office/drawing/2014/main" xmlns="" id="{B4597C51-D549-461C-944B-1C9DA2625EB3}"/>
               </a:ext>
             </a:extLst>
           </p:cNvPr>
@@ -3373,7 +3369,7 @@
           <p:cNvPr id="9" name="Content Placeholder 4">
             <a:extLst>
               <a:ext uri="{FF2B5EF4-FFF2-40B4-BE49-F238E27FC236}">
-                <a16:creationId xmlns:a16="http://schemas.microsoft.com/office/drawing/2014/main" id="{0AE2BBB9-4D8F-4394-BC1F-16FBD32BD41C}"/>
+                <a16:creationId xmlns:a16="http://schemas.microsoft.com/office/drawing/2014/main" xmlns="" id="{0AE2BBB9-4D8F-4394-BC1F-16FBD32BD41C}"/>
               </a:ext>
             </a:extLst>
           </p:cNvPr>
@@ -3421,7 +3417,7 @@
           <p:cNvPr id="10" name="Picture 9">
             <a:extLst>
               <a:ext uri="{FF2B5EF4-FFF2-40B4-BE49-F238E27FC236}">
-                <a16:creationId xmlns:a16="http://schemas.microsoft.com/office/drawing/2014/main" id="{AC0A3ACF-0E71-4F94-9049-B2E23AF3B807}"/>
+                <a16:creationId xmlns:a16="http://schemas.microsoft.com/office/drawing/2014/main" xmlns="" id="{AC0A3ACF-0E71-4F94-9049-B2E23AF3B807}"/>
               </a:ext>
             </a:extLst>
           </p:cNvPr>
@@ -3472,7 +3468,7 @@
           <p:cNvPr id="11" name="Title 1">
             <a:extLst>
               <a:ext uri="{FF2B5EF4-FFF2-40B4-BE49-F238E27FC236}">
-                <a16:creationId xmlns:a16="http://schemas.microsoft.com/office/drawing/2014/main" id="{DA305060-ECCE-412C-89CB-883FEE24DD4E}"/>
+                <a16:creationId xmlns:a16="http://schemas.microsoft.com/office/drawing/2014/main" xmlns="" id="{DA305060-ECCE-412C-89CB-883FEE24DD4E}"/>
               </a:ext>
             </a:extLst>
           </p:cNvPr>
@@ -3508,7 +3504,7 @@
           <p:cNvPr id="12" name="TextBox 11">
             <a:extLst>
               <a:ext uri="{FF2B5EF4-FFF2-40B4-BE49-F238E27FC236}">
-                <a16:creationId xmlns:a16="http://schemas.microsoft.com/office/drawing/2014/main" id="{8EC49778-87B5-447A-BC52-B71565BA58B1}"/>
+                <a16:creationId xmlns:a16="http://schemas.microsoft.com/office/drawing/2014/main" xmlns="" id="{8EC49778-87B5-447A-BC52-B71565BA58B1}"/>
               </a:ext>
             </a:extLst>
           </p:cNvPr>
@@ -3576,7 +3572,7 @@
           <p:cNvPr id="13" name="TextBox 12">
             <a:extLst>
               <a:ext uri="{FF2B5EF4-FFF2-40B4-BE49-F238E27FC236}">
-                <a16:creationId xmlns:a16="http://schemas.microsoft.com/office/drawing/2014/main" id="{7C4833FC-7A91-463D-8A38-8EB39C68720B}"/>
+                <a16:creationId xmlns:a16="http://schemas.microsoft.com/office/drawing/2014/main" xmlns="" id="{7C4833FC-7A91-463D-8A38-8EB39C68720B}"/>
               </a:ext>
             </a:extLst>
           </p:cNvPr>
@@ -3690,7 +3686,7 @@
           <p:cNvPr id="2" name="Title 1">
             <a:extLst>
               <a:ext uri="{FF2B5EF4-FFF2-40B4-BE49-F238E27FC236}">
-                <a16:creationId xmlns:a16="http://schemas.microsoft.com/office/drawing/2014/main" id="{6D327B51-9C7F-44E5-9D45-1F1ED2CECC7F}"/>
+                <a16:creationId xmlns:a16="http://schemas.microsoft.com/office/drawing/2014/main" xmlns="" id="{6D327B51-9C7F-44E5-9D45-1F1ED2CECC7F}"/>
               </a:ext>
             </a:extLst>
           </p:cNvPr>
@@ -3726,7 +3722,7 @@
           <p:cNvPr id="3" name="Picture 2" descr="population.png">
             <a:extLst>
               <a:ext uri="{FF2B5EF4-FFF2-40B4-BE49-F238E27FC236}">
-                <a16:creationId xmlns:a16="http://schemas.microsoft.com/office/drawing/2014/main" id="{F704D6C4-916F-4FF2-918D-1C47714596A4}"/>
+                <a16:creationId xmlns:a16="http://schemas.microsoft.com/office/drawing/2014/main" xmlns="" id="{F704D6C4-916F-4FF2-918D-1C47714596A4}"/>
               </a:ext>
             </a:extLst>
           </p:cNvPr>
@@ -3811,7 +3807,7 @@
           <p:cNvPr id="10" name="Title 1">
             <a:extLst>
               <a:ext uri="{FF2B5EF4-FFF2-40B4-BE49-F238E27FC236}">
-                <a16:creationId xmlns:a16="http://schemas.microsoft.com/office/drawing/2014/main" id="{59EB872A-38EC-4FCA-9CC4-EB8114C444C7}"/>
+                <a16:creationId xmlns:a16="http://schemas.microsoft.com/office/drawing/2014/main" xmlns="" id="{59EB872A-38EC-4FCA-9CC4-EB8114C444C7}"/>
               </a:ext>
             </a:extLst>
           </p:cNvPr>
@@ -3847,7 +3843,7 @@
           <p:cNvPr id="2" name="Rectangle 1">
             <a:extLst>
               <a:ext uri="{FF2B5EF4-FFF2-40B4-BE49-F238E27FC236}">
-                <a16:creationId xmlns:a16="http://schemas.microsoft.com/office/drawing/2014/main" id="{E8ADA7AF-1154-4F4C-871B-CB18FF366D0C}"/>
+                <a16:creationId xmlns:a16="http://schemas.microsoft.com/office/drawing/2014/main" xmlns="" id="{E8ADA7AF-1154-4F4C-871B-CB18FF366D0C}"/>
               </a:ext>
             </a:extLst>
           </p:cNvPr>
@@ -3893,7 +3889,7 @@
           <p:cNvPr id="5" name="Title 1">
             <a:extLst>
               <a:ext uri="{FF2B5EF4-FFF2-40B4-BE49-F238E27FC236}">
-                <a16:creationId xmlns:a16="http://schemas.microsoft.com/office/drawing/2014/main" id="{C381F774-6C55-4F09-8593-3F3321C12E00}"/>
+                <a16:creationId xmlns:a16="http://schemas.microsoft.com/office/drawing/2014/main" xmlns="" id="{C381F774-6C55-4F09-8593-3F3321C12E00}"/>
               </a:ext>
             </a:extLst>
           </p:cNvPr>
@@ -3943,6 +3939,36 @@
           </a:p>
         </p:txBody>
       </p:sp>
+      <p:pic>
+        <p:nvPicPr>
+          <p:cNvPr id="3" name="Picture 2" descr="3d.png"/>
+          <p:cNvPicPr>
+            <a:picLocks noChangeAspect="1"/>
+          </p:cNvPicPr>
+          <p:nvPr/>
+        </p:nvPicPr>
+        <p:blipFill>
+          <a:blip r:embed="rId2">
+            <a:extLst>
+              <a:ext uri="{28A0092B-C50C-407E-A947-70E740481C1C}">
+                <a14:useLocalDpi xmlns:a14="http://schemas.microsoft.com/office/drawing/2010/main" val="0"/>
+              </a:ext>
+            </a:extLst>
+          </a:blip>
+          <a:stretch>
+            <a:fillRect/>
+          </a:stretch>
+        </p:blipFill>
+        <p:spPr>
+          <a:xfrm>
+            <a:off x="2839626" y="2224504"/>
+            <a:ext cx="6553102" cy="4368734"/>
+          </a:xfrm>
+          <a:prstGeom prst="rect">
+            <a:avLst/>
+          </a:prstGeom>
+        </p:spPr>
+      </p:pic>
     </p:spTree>
     <p:extLst>
       <p:ext uri="{BB962C8B-B14F-4D97-AF65-F5344CB8AC3E}">
@@ -3997,7 +4023,7 @@
           <p:cNvPr id="10" name="Title 1">
             <a:extLst>
               <a:ext uri="{FF2B5EF4-FFF2-40B4-BE49-F238E27FC236}">
-                <a16:creationId xmlns:a16="http://schemas.microsoft.com/office/drawing/2014/main" id="{59EB872A-38EC-4FCA-9CC4-EB8114C444C7}"/>
+                <a16:creationId xmlns:a16="http://schemas.microsoft.com/office/drawing/2014/main" xmlns="" id="{59EB872A-38EC-4FCA-9CC4-EB8114C444C7}"/>
               </a:ext>
             </a:extLst>
           </p:cNvPr>
@@ -4033,7 +4059,7 @@
           <p:cNvPr id="2" name="TextBox 1">
             <a:extLst>
               <a:ext uri="{FF2B5EF4-FFF2-40B4-BE49-F238E27FC236}">
-                <a16:creationId xmlns:a16="http://schemas.microsoft.com/office/drawing/2014/main" id="{5E653054-42DA-47AB-A6FE-710D21D67A48}"/>
+                <a16:creationId xmlns:a16="http://schemas.microsoft.com/office/drawing/2014/main" xmlns="" id="{5E653054-42DA-47AB-A6FE-710D21D67A48}"/>
               </a:ext>
             </a:extLst>
           </p:cNvPr>
@@ -4042,8 +4068,8 @@
         </p:nvSpPr>
         <p:spPr>
           <a:xfrm>
-            <a:off x="2039007" y="1690688"/>
-            <a:ext cx="8586951" cy="4448013"/>
+            <a:off x="1257392" y="1408382"/>
+            <a:ext cx="8965215" cy="5221943"/>
           </a:xfrm>
           <a:prstGeom prst="rect">
             <a:avLst/>
@@ -4104,7 +4130,19 @@
             </a:pPr>
             <a:r>
               <a:rPr lang="en-US" sz="3200" dirty="0"/>
-              <a:t>Number 4 - Margret</a:t>
+              <a:t>Number 4 </a:t>
+            </a:r>
+            <a:r>
+              <a:rPr lang="mr-IN" sz="3200" dirty="0" smtClean="0"/>
+              <a:t>–</a:t>
+            </a:r>
+            <a:r>
+              <a:rPr lang="en-US" sz="3200" dirty="0" smtClean="0"/>
+              <a:t> </a:t>
+            </a:r>
+            <a:r>
+              <a:rPr lang="en-US" sz="3200" dirty="0"/>
+              <a:t>Margret</a:t>
             </a:r>
           </a:p>
           <a:p>
@@ -4116,9 +4154,10 @@
               <a:buChar char="•"/>
             </a:pPr>
             <a:r>
-              <a:rPr lang="en-US" sz="3200" dirty="0"/>
-              <a:t>Number 5 - Lesly</a:t>
-            </a:r>
+              <a:rPr lang="en-US" sz="3200" dirty="0" smtClean="0"/>
+              <a:t>High population growth expected on West Houston</a:t>
+            </a:r>
+            <a:endParaRPr lang="en-US" sz="3200" dirty="0"/>
           </a:p>
           <a:p>
             <a:pPr marL="285750" indent="-285750">
@@ -4129,9 +4168,14 @@
               <a:buChar char="•"/>
             </a:pPr>
             <a:r>
-              <a:rPr lang="en-US" sz="3200" dirty="0"/>
-              <a:t>Number 6 - Lesly </a:t>
-            </a:r>
+              <a:rPr lang="en-US" sz="3200" dirty="0" smtClean="0"/>
+              <a:t>Flood levels </a:t>
+            </a:r>
+            <a:r>
+              <a:rPr lang="en-US" sz="3200" dirty="0" smtClean="0"/>
+              <a:t>from Harvey indicate a need to protect the incoming communities </a:t>
+            </a:r>
+            <a:endParaRPr lang="en-US" sz="3200" dirty="0"/>
           </a:p>
         </p:txBody>
       </p:sp>
@@ -4170,7 +4214,7 @@
           <p:cNvPr id="2" name="Title 1">
             <a:extLst>
               <a:ext uri="{FF2B5EF4-FFF2-40B4-BE49-F238E27FC236}">
-                <a16:creationId xmlns:a16="http://schemas.microsoft.com/office/drawing/2014/main" id="{5E563247-FDBA-44F2-AAAF-313275F19E8C}"/>
+                <a16:creationId xmlns:a16="http://schemas.microsoft.com/office/drawing/2014/main" xmlns="" id="{5E563247-FDBA-44F2-AAAF-313275F19E8C}"/>
               </a:ext>
             </a:extLst>
           </p:cNvPr>
@@ -4195,7 +4239,7 @@
           <p:cNvPr id="3" name="Subtitle 2">
             <a:extLst>
               <a:ext uri="{FF2B5EF4-FFF2-40B4-BE49-F238E27FC236}">
-                <a16:creationId xmlns:a16="http://schemas.microsoft.com/office/drawing/2014/main" id="{494B4D24-8D98-4F47-BC46-70DA7D073F6C}"/>
+                <a16:creationId xmlns:a16="http://schemas.microsoft.com/office/drawing/2014/main" xmlns="" id="{494B4D24-8D98-4F47-BC46-70DA7D073F6C}"/>
               </a:ext>
             </a:extLst>
           </p:cNvPr>
@@ -4220,7 +4264,7 @@
           <p:cNvPr id="5" name="Picture 4">
             <a:extLst>
               <a:ext uri="{FF2B5EF4-FFF2-40B4-BE49-F238E27FC236}">
-                <a16:creationId xmlns:a16="http://schemas.microsoft.com/office/drawing/2014/main" id="{507A5016-6D10-4EFB-A562-3EEE71166BEA}"/>
+                <a16:creationId xmlns:a16="http://schemas.microsoft.com/office/drawing/2014/main" xmlns="" id="{507A5016-6D10-4EFB-A562-3EEE71166BEA}"/>
               </a:ext>
             </a:extLst>
           </p:cNvPr>
@@ -4305,7 +4349,7 @@
           <p:cNvPr id="5" name="Picture 4">
             <a:extLst>
               <a:ext uri="{FF2B5EF4-FFF2-40B4-BE49-F238E27FC236}">
-                <a16:creationId xmlns:a16="http://schemas.microsoft.com/office/drawing/2014/main" id="{494DBF8C-9D45-41E7-9BA5-E78072B5D20A}"/>
+                <a16:creationId xmlns:a16="http://schemas.microsoft.com/office/drawing/2014/main" xmlns="" id="{494DBF8C-9D45-41E7-9BA5-E78072B5D20A}"/>
               </a:ext>
             </a:extLst>
           </p:cNvPr>
@@ -4353,7 +4397,7 @@
           <p:cNvPr id="6" name="Picture 5">
             <a:extLst>
               <a:ext uri="{FF2B5EF4-FFF2-40B4-BE49-F238E27FC236}">
-                <a16:creationId xmlns:a16="http://schemas.microsoft.com/office/drawing/2014/main" id="{D6CDD2EE-632E-46CE-A25C-2B169762905C}"/>
+                <a16:creationId xmlns:a16="http://schemas.microsoft.com/office/drawing/2014/main" xmlns="" id="{D6CDD2EE-632E-46CE-A25C-2B169762905C}"/>
               </a:ext>
             </a:extLst>
           </p:cNvPr>
@@ -4401,7 +4445,7 @@
           <p:cNvPr id="7" name="Title 1">
             <a:extLst>
               <a:ext uri="{FF2B5EF4-FFF2-40B4-BE49-F238E27FC236}">
-                <a16:creationId xmlns:a16="http://schemas.microsoft.com/office/drawing/2014/main" id="{F9C4A9CD-1584-4EEF-8CC3-5392F157ABE0}"/>
+                <a16:creationId xmlns:a16="http://schemas.microsoft.com/office/drawing/2014/main" xmlns="" id="{F9C4A9CD-1584-4EEF-8CC3-5392F157ABE0}"/>
               </a:ext>
             </a:extLst>
           </p:cNvPr>
@@ -4486,7 +4530,7 @@
           <p:cNvPr id="10" name="Title 1">
             <a:extLst>
               <a:ext uri="{FF2B5EF4-FFF2-40B4-BE49-F238E27FC236}">
-                <a16:creationId xmlns:a16="http://schemas.microsoft.com/office/drawing/2014/main" id="{AA5099B4-6068-42D3-AC19-40C590FB4627}"/>
+                <a16:creationId xmlns:a16="http://schemas.microsoft.com/office/drawing/2014/main" xmlns="" id="{AA5099B4-6068-42D3-AC19-40C590FB4627}"/>
               </a:ext>
             </a:extLst>
           </p:cNvPr>
@@ -4522,7 +4566,7 @@
           <p:cNvPr id="6" name="Picture 5">
             <a:extLst>
               <a:ext uri="{FF2B5EF4-FFF2-40B4-BE49-F238E27FC236}">
-                <a16:creationId xmlns:a16="http://schemas.microsoft.com/office/drawing/2014/main" id="{049681E3-D8D1-435D-9C7F-3E7D9E2D7B75}"/>
+                <a16:creationId xmlns:a16="http://schemas.microsoft.com/office/drawing/2014/main" xmlns="" id="{049681E3-D8D1-435D-9C7F-3E7D9E2D7B75}"/>
               </a:ext>
             </a:extLst>
           </p:cNvPr>
@@ -4573,7 +4617,7 @@
           <p:cNvPr id="14" name="Picture 13">
             <a:extLst>
               <a:ext uri="{FF2B5EF4-FFF2-40B4-BE49-F238E27FC236}">
-                <a16:creationId xmlns:a16="http://schemas.microsoft.com/office/drawing/2014/main" id="{F790F766-7EA5-4561-8D01-2CF726789AFC}"/>
+                <a16:creationId xmlns:a16="http://schemas.microsoft.com/office/drawing/2014/main" xmlns="" id="{F790F766-7EA5-4561-8D01-2CF726789AFC}"/>
               </a:ext>
             </a:extLst>
           </p:cNvPr>
@@ -4673,7 +4717,7 @@
           <p:cNvPr id="10" name="Title 1">
             <a:extLst>
               <a:ext uri="{FF2B5EF4-FFF2-40B4-BE49-F238E27FC236}">
-                <a16:creationId xmlns:a16="http://schemas.microsoft.com/office/drawing/2014/main" id="{59EB872A-38EC-4FCA-9CC4-EB8114C444C7}"/>
+                <a16:creationId xmlns:a16="http://schemas.microsoft.com/office/drawing/2014/main" xmlns="" id="{59EB872A-38EC-4FCA-9CC4-EB8114C444C7}"/>
               </a:ext>
             </a:extLst>
           </p:cNvPr>
@@ -4709,7 +4753,7 @@
           <p:cNvPr id="4" name="Picture 3">
             <a:extLst>
               <a:ext uri="{FF2B5EF4-FFF2-40B4-BE49-F238E27FC236}">
-                <a16:creationId xmlns:a16="http://schemas.microsoft.com/office/drawing/2014/main" id="{C8BB42E4-E077-441D-80DB-5897996C508B}"/>
+                <a16:creationId xmlns:a16="http://schemas.microsoft.com/office/drawing/2014/main" xmlns="" id="{C8BB42E4-E077-441D-80DB-5897996C508B}"/>
               </a:ext>
             </a:extLst>
           </p:cNvPr>
@@ -4760,7 +4804,7 @@
           <p:cNvPr id="9" name="Content Placeholder 3">
             <a:extLst>
               <a:ext uri="{FF2B5EF4-FFF2-40B4-BE49-F238E27FC236}">
-                <a16:creationId xmlns:a16="http://schemas.microsoft.com/office/drawing/2014/main" id="{968CD5F9-E0A8-4017-A062-5F2DAE078220}"/>
+                <a16:creationId xmlns:a16="http://schemas.microsoft.com/office/drawing/2014/main" xmlns="" id="{968CD5F9-E0A8-4017-A062-5F2DAE078220}"/>
               </a:ext>
             </a:extLst>
           </p:cNvPr>
@@ -4858,7 +4902,7 @@
           <p:cNvPr id="6" name="Picture 5">
             <a:extLst>
               <a:ext uri="{FF2B5EF4-FFF2-40B4-BE49-F238E27FC236}">
-                <a16:creationId xmlns:a16="http://schemas.microsoft.com/office/drawing/2014/main" id="{22A51AB6-D3D1-4DC3-AD5A-48235DF2B348}"/>
+                <a16:creationId xmlns:a16="http://schemas.microsoft.com/office/drawing/2014/main" xmlns="" id="{22A51AB6-D3D1-4DC3-AD5A-48235DF2B348}"/>
               </a:ext>
             </a:extLst>
           </p:cNvPr>
@@ -4894,7 +4938,7 @@
           <p:cNvPr id="7" name="Title 1">
             <a:extLst>
               <a:ext uri="{FF2B5EF4-FFF2-40B4-BE49-F238E27FC236}">
-                <a16:creationId xmlns:a16="http://schemas.microsoft.com/office/drawing/2014/main" id="{38C8E6AD-7338-4956-AE40-EE97775886B1}"/>
+                <a16:creationId xmlns:a16="http://schemas.microsoft.com/office/drawing/2014/main" xmlns="" id="{38C8E6AD-7338-4956-AE40-EE97775886B1}"/>
               </a:ext>
             </a:extLst>
           </p:cNvPr>
@@ -4930,7 +4974,7 @@
           <p:cNvPr id="8" name="Picture 7" descr="Image result for hurricane harvey pictures retirement">
             <a:extLst>
               <a:ext uri="{FF2B5EF4-FFF2-40B4-BE49-F238E27FC236}">
-                <a16:creationId xmlns:a16="http://schemas.microsoft.com/office/drawing/2014/main" id="{C0839DB0-B268-42D9-8704-7602222D5EF4}"/>
+                <a16:creationId xmlns:a16="http://schemas.microsoft.com/office/drawing/2014/main" xmlns="" id="{C0839DB0-B268-42D9-8704-7602222D5EF4}"/>
               </a:ext>
             </a:extLst>
           </p:cNvPr>
@@ -4962,7 +5006,7 @@
           </a:prstGeom>
           <a:noFill/>
           <a:extLst>
-            <a:ext uri="{909E8E84-426E-40DD-AFC4-6F175D3DCCD1}">
+            <a:ext uri="{909E8E84-426E-40dd-AFC4-6F175D3DCCD1}">
               <a14:hiddenFill xmlns:a14="http://schemas.microsoft.com/office/drawing/2010/main">
                 <a:solidFill>
                   <a:srgbClr val="FFFFFF"/>
@@ -4977,7 +5021,7 @@
           <p:cNvPr id="9" name="Picture 2" descr="Image result for hurricane harvey pictures">
             <a:extLst>
               <a:ext uri="{FF2B5EF4-FFF2-40B4-BE49-F238E27FC236}">
-                <a16:creationId xmlns:a16="http://schemas.microsoft.com/office/drawing/2014/main" id="{42D703E7-D66A-4912-B256-62AA2DB40391}"/>
+                <a16:creationId xmlns:a16="http://schemas.microsoft.com/office/drawing/2014/main" xmlns="" id="{42D703E7-D66A-4912-B256-62AA2DB40391}"/>
               </a:ext>
             </a:extLst>
           </p:cNvPr>
@@ -5009,7 +5053,7 @@
           </a:prstGeom>
           <a:noFill/>
           <a:extLst>
-            <a:ext uri="{909E8E84-426E-40DD-AFC4-6F175D3DCCD1}">
+            <a:ext uri="{909E8E84-426E-40dd-AFC4-6F175D3DCCD1}">
               <a14:hiddenFill xmlns:a14="http://schemas.microsoft.com/office/drawing/2010/main">
                 <a:solidFill>
                   <a:srgbClr val="FFFFFF"/>
@@ -5024,7 +5068,7 @@
           <p:cNvPr id="11" name="Picture 10">
             <a:extLst>
               <a:ext uri="{FF2B5EF4-FFF2-40B4-BE49-F238E27FC236}">
-                <a16:creationId xmlns:a16="http://schemas.microsoft.com/office/drawing/2014/main" id="{1E942F5C-7F84-434B-BC18-20957311E1AC}"/>
+                <a16:creationId xmlns:a16="http://schemas.microsoft.com/office/drawing/2014/main" xmlns="" id="{1E942F5C-7F84-434B-BC18-20957311E1AC}"/>
               </a:ext>
             </a:extLst>
           </p:cNvPr>
@@ -5109,7 +5153,7 @@
           <p:cNvPr id="2" name="Title 1">
             <a:extLst>
               <a:ext uri="{FF2B5EF4-FFF2-40B4-BE49-F238E27FC236}">
-                <a16:creationId xmlns:a16="http://schemas.microsoft.com/office/drawing/2014/main" id="{99CA9B70-5928-4D01-8970-60263E346D55}"/>
+                <a16:creationId xmlns:a16="http://schemas.microsoft.com/office/drawing/2014/main" xmlns="" id="{99CA9B70-5928-4D01-8970-60263E346D55}"/>
               </a:ext>
             </a:extLst>
           </p:cNvPr>
@@ -5145,7 +5189,7 @@
           <p:cNvPr id="3" name="Picture 2">
             <a:extLst>
               <a:ext uri="{FF2B5EF4-FFF2-40B4-BE49-F238E27FC236}">
-                <a16:creationId xmlns:a16="http://schemas.microsoft.com/office/drawing/2014/main" id="{3CEA6A7A-A79E-4D54-BF7F-5236359BCC99}"/>
+                <a16:creationId xmlns:a16="http://schemas.microsoft.com/office/drawing/2014/main" xmlns="" id="{3CEA6A7A-A79E-4D54-BF7F-5236359BCC99}"/>
               </a:ext>
             </a:extLst>
           </p:cNvPr>
@@ -5181,7 +5225,7 @@
           <p:cNvPr id="4" name="TextBox 3">
             <a:extLst>
               <a:ext uri="{FF2B5EF4-FFF2-40B4-BE49-F238E27FC236}">
-                <a16:creationId xmlns:a16="http://schemas.microsoft.com/office/drawing/2014/main" id="{B82328E6-3619-4063-8405-811AFC18A5D1}"/>
+                <a16:creationId xmlns:a16="http://schemas.microsoft.com/office/drawing/2014/main" xmlns="" id="{B82328E6-3619-4063-8405-811AFC18A5D1}"/>
               </a:ext>
             </a:extLst>
           </p:cNvPr>
@@ -5289,7 +5333,7 @@
           <p:cNvPr id="2" name="Title 1">
             <a:extLst>
               <a:ext uri="{FF2B5EF4-FFF2-40B4-BE49-F238E27FC236}">
-                <a16:creationId xmlns:a16="http://schemas.microsoft.com/office/drawing/2014/main" id="{B9567790-D994-4437-BC47-3A5C4137FCA2}"/>
+                <a16:creationId xmlns:a16="http://schemas.microsoft.com/office/drawing/2014/main" xmlns="" id="{B9567790-D994-4437-BC47-3A5C4137FCA2}"/>
               </a:ext>
             </a:extLst>
           </p:cNvPr>
@@ -5325,7 +5369,7 @@
           <p:cNvPr id="3" name="Picture 2">
             <a:extLst>
               <a:ext uri="{FF2B5EF4-FFF2-40B4-BE49-F238E27FC236}">
-                <a16:creationId xmlns:a16="http://schemas.microsoft.com/office/drawing/2014/main" id="{83F0FE88-4208-4FC7-AE77-F5419165F930}"/>
+                <a16:creationId xmlns:a16="http://schemas.microsoft.com/office/drawing/2014/main" xmlns="" id="{83F0FE88-4208-4FC7-AE77-F5419165F930}"/>
               </a:ext>
             </a:extLst>
           </p:cNvPr>
@@ -5361,7 +5405,7 @@
           <p:cNvPr id="4" name="Freeform 28">
             <a:extLst>
               <a:ext uri="{FF2B5EF4-FFF2-40B4-BE49-F238E27FC236}">
-                <a16:creationId xmlns:a16="http://schemas.microsoft.com/office/drawing/2014/main" id="{2874F487-0C6B-45CD-82EE-E2F69C51A5EE}"/>
+                <a16:creationId xmlns:a16="http://schemas.microsoft.com/office/drawing/2014/main" xmlns="" id="{2874F487-0C6B-45CD-82EE-E2F69C51A5EE}"/>
               </a:ext>
             </a:extLst>
           </p:cNvPr>
@@ -5453,7 +5497,7 @@
           <p:cNvPr id="5" name="TextBox 4">
             <a:extLst>
               <a:ext uri="{FF2B5EF4-FFF2-40B4-BE49-F238E27FC236}">
-                <a16:creationId xmlns:a16="http://schemas.microsoft.com/office/drawing/2014/main" id="{967CBE27-8D76-49CA-B8A1-D23C0E7EADBE}"/>
+                <a16:creationId xmlns:a16="http://schemas.microsoft.com/office/drawing/2014/main" xmlns="" id="{967CBE27-8D76-49CA-B8A1-D23C0E7EADBE}"/>
               </a:ext>
             </a:extLst>
           </p:cNvPr>
@@ -5573,7 +5617,7 @@
           <p:cNvPr id="2" name="Title 1">
             <a:extLst>
               <a:ext uri="{FF2B5EF4-FFF2-40B4-BE49-F238E27FC236}">
-                <a16:creationId xmlns:a16="http://schemas.microsoft.com/office/drawing/2014/main" id="{4888315C-F942-44CF-80EB-F93E89D74875}"/>
+                <a16:creationId xmlns:a16="http://schemas.microsoft.com/office/drawing/2014/main" xmlns="" id="{4888315C-F942-44CF-80EB-F93E89D74875}"/>
               </a:ext>
             </a:extLst>
           </p:cNvPr>
@@ -5617,7 +5661,7 @@
           <p:cNvPr id="3" name="Picture 2" descr="Screen Shot 2019-01-21 at 12.26.51 AM.png">
             <a:extLst>
               <a:ext uri="{FF2B5EF4-FFF2-40B4-BE49-F238E27FC236}">
-                <a16:creationId xmlns:a16="http://schemas.microsoft.com/office/drawing/2014/main" id="{2D4C166E-FD7C-4250-AE10-8034321C2DDD}"/>
+                <a16:creationId xmlns:a16="http://schemas.microsoft.com/office/drawing/2014/main" xmlns="" id="{2D4C166E-FD7C-4250-AE10-8034321C2DDD}"/>
               </a:ext>
             </a:extLst>
           </p:cNvPr>
@@ -5704,7 +5748,7 @@
     </a:clrScheme>
     <a:fontScheme name="Office">
       <a:majorFont>
-        <a:latin typeface="Calibri Light" panose="020F0302020204030204"/>
+        <a:latin typeface="Calibri Light"/>
         <a:ea typeface=""/>
         <a:cs typeface=""/>
         <a:font script="Jpan" typeface="游ゴシック Light"/>
@@ -5756,7 +5800,7 @@
         <a:font script="Tfng" typeface="Ebrima"/>
       </a:majorFont>
       <a:minorFont>
-        <a:latin typeface="Calibri" panose="020F0502020204030204"/>
+        <a:latin typeface="Calibri"/>
         <a:ea typeface=""/>
         <a:cs typeface=""/>
         <a:font script="Jpan" typeface="游ゴシック"/>
@@ -5950,7 +5994,7 @@
   <a:extraClrSchemeLst/>
   <a:extLst>
     <a:ext uri="{05A4C25C-085E-4340-85A3-A5531E510DB2}">
-      <thm15:themeFamily xmlns:thm15="http://schemas.microsoft.com/office/thememl/2012/main" name="Office Theme" id="{62F939B6-93AF-4DB8-9C6B-D6C7DFDC589F}" vid="{4A3C46E8-61CC-4603-A589-7422A47A8E4A}"/>
+      <thm15:themeFamily xmlns:thm15="http://schemas.microsoft.com/office/thememl/2012/main" xmlns="" name="Office Theme" id="{62F939B6-93AF-4DB8-9C6B-D6C7DFDC589F}" vid="{4A3C46E8-61CC-4603-A589-7422A47A8E4A}"/>
     </a:ext>
   </a:extLst>
 </a:theme>
